--- a/ThumbnailTemplate.pptx
+++ b/ThumbnailTemplate.pptx
@@ -5,7 +5,7 @@
     <p:sldMasterId id="2147483648" r:id="rId16"/>
   </p:sldMasterIdLst>
   <p:notesMasterIdLst>
-    <p:notesMasterId r:id="rId22"/>
+    <p:notesMasterId r:id="rId23"/>
   </p:notesMasterIdLst>
   <p:sldIdLst>
     <p:sldId id="260" r:id="rId17"/>
@@ -13,6 +13,7 @@
     <p:sldId id="257" r:id="rId19"/>
     <p:sldId id="258" r:id="rId20"/>
     <p:sldId id="259" r:id="rId21"/>
+    <p:sldId id="261" r:id="rId22"/>
   </p:sldIdLst>
   <p:sldSz cx="1901825" cy="1271588"/>
   <p:notesSz cx="6858000" cy="9144000"/>
@@ -113,7 +114,7 @@
   </p:defaultTextStyle>
   <p:extLst>
     <p:ext uri="{EFAFB233-063F-42B5-8137-9DF3F51BA10A}">
-      <p15:sldGuideLst xmlns:p15="http://schemas.microsoft.com/office/powerpoint/2012/main" xmlns="">
+      <p15:sldGuideLst xmlns:p15="http://schemas.microsoft.com/office/powerpoint/2012/main">
         <p15:guide id="1" orient="horz" pos="401">
           <p15:clr>
             <a:srgbClr val="A4A3A4"/>
@@ -127,7 +128,7 @@
       </p15:sldGuideLst>
     </p:ext>
     <p:ext uri="{2D200454-40CA-4A62-9FC3-DE9A4176ACB9}">
-      <p15:notesGuideLst xmlns:p15="http://schemas.microsoft.com/office/powerpoint/2012/main" xmlns="">
+      <p15:notesGuideLst xmlns:p15="http://schemas.microsoft.com/office/powerpoint/2012/main">
         <p15:guide id="1" orient="horz" pos="2880">
           <p15:clr>
             <a:srgbClr val="A4A3A4"/>
@@ -227,7 +228,7 @@
             <a:fld id="{63C9091E-FD4D-49C9-B0DF-74FAA546EF93}" type="datetimeFigureOut">
               <a:rPr lang="en-US" smtClean="0"/>
               <a:pPr/>
-              <a:t>12/27/2019</a:t>
+              <a:t>8/3/2020</a:t>
             </a:fld>
             <a:endParaRPr lang="en-US"/>
           </a:p>
@@ -767,7 +768,7 @@
             <a:fld id="{163FD5E0-455E-4E40-B688-8A1577E41D65}" type="datetimeFigureOut">
               <a:rPr lang="en-US" smtClean="0"/>
               <a:pPr/>
-              <a:t>12/27/2019</a:t>
+              <a:t>8/3/2020</a:t>
             </a:fld>
             <a:endParaRPr lang="en-US"/>
           </a:p>
@@ -934,7 +935,7 @@
             <a:fld id="{163FD5E0-455E-4E40-B688-8A1577E41D65}" type="datetimeFigureOut">
               <a:rPr lang="en-US" smtClean="0"/>
               <a:pPr/>
-              <a:t>12/27/2019</a:t>
+              <a:t>8/3/2020</a:t>
             </a:fld>
             <a:endParaRPr lang="en-US"/>
           </a:p>
@@ -1111,7 +1112,7 @@
             <a:fld id="{163FD5E0-455E-4E40-B688-8A1577E41D65}" type="datetimeFigureOut">
               <a:rPr lang="en-US" smtClean="0"/>
               <a:pPr/>
-              <a:t>12/27/2019</a:t>
+              <a:t>8/3/2020</a:t>
             </a:fld>
             <a:endParaRPr lang="en-US"/>
           </a:p>
@@ -1278,7 +1279,7 @@
             <a:fld id="{163FD5E0-455E-4E40-B688-8A1577E41D65}" type="datetimeFigureOut">
               <a:rPr lang="en-US" smtClean="0"/>
               <a:pPr/>
-              <a:t>12/27/2019</a:t>
+              <a:t>8/3/2020</a:t>
             </a:fld>
             <a:endParaRPr lang="en-US"/>
           </a:p>
@@ -1521,7 +1522,7 @@
             <a:fld id="{163FD5E0-455E-4E40-B688-8A1577E41D65}" type="datetimeFigureOut">
               <a:rPr lang="en-US" smtClean="0"/>
               <a:pPr/>
-              <a:t>12/27/2019</a:t>
+              <a:t>8/3/2020</a:t>
             </a:fld>
             <a:endParaRPr lang="en-US"/>
           </a:p>
@@ -1806,7 +1807,7 @@
             <a:fld id="{163FD5E0-455E-4E40-B688-8A1577E41D65}" type="datetimeFigureOut">
               <a:rPr lang="en-US" smtClean="0"/>
               <a:pPr/>
-              <a:t>12/27/2019</a:t>
+              <a:t>8/3/2020</a:t>
             </a:fld>
             <a:endParaRPr lang="en-US"/>
           </a:p>
@@ -2225,7 +2226,7 @@
             <a:fld id="{163FD5E0-455E-4E40-B688-8A1577E41D65}" type="datetimeFigureOut">
               <a:rPr lang="en-US" smtClean="0"/>
               <a:pPr/>
-              <a:t>12/27/2019</a:t>
+              <a:t>8/3/2020</a:t>
             </a:fld>
             <a:endParaRPr lang="en-US"/>
           </a:p>
@@ -2340,7 +2341,7 @@
             <a:fld id="{163FD5E0-455E-4E40-B688-8A1577E41D65}" type="datetimeFigureOut">
               <a:rPr lang="en-US" smtClean="0"/>
               <a:pPr/>
-              <a:t>12/27/2019</a:t>
+              <a:t>8/3/2020</a:t>
             </a:fld>
             <a:endParaRPr lang="en-US"/>
           </a:p>
@@ -2432,7 +2433,7 @@
             <a:fld id="{163FD5E0-455E-4E40-B688-8A1577E41D65}" type="datetimeFigureOut">
               <a:rPr lang="en-US" smtClean="0"/>
               <a:pPr/>
-              <a:t>12/27/2019</a:t>
+              <a:t>8/3/2020</a:t>
             </a:fld>
             <a:endParaRPr lang="en-US"/>
           </a:p>
@@ -2706,7 +2707,7 @@
             <a:fld id="{163FD5E0-455E-4E40-B688-8A1577E41D65}" type="datetimeFigureOut">
               <a:rPr lang="en-US" smtClean="0"/>
               <a:pPr/>
-              <a:t>12/27/2019</a:t>
+              <a:t>8/3/2020</a:t>
             </a:fld>
             <a:endParaRPr lang="en-US"/>
           </a:p>
@@ -2956,7 +2957,7 @@
             <a:fld id="{163FD5E0-455E-4E40-B688-8A1577E41D65}" type="datetimeFigureOut">
               <a:rPr lang="en-US" smtClean="0"/>
               <a:pPr/>
-              <a:t>12/27/2019</a:t>
+              <a:t>8/3/2020</a:t>
             </a:fld>
             <a:endParaRPr lang="en-US"/>
           </a:p>
@@ -3169,7 +3170,7 @@
             <a:fld id="{163FD5E0-455E-4E40-B688-8A1577E41D65}" type="datetimeFigureOut">
               <a:rPr lang="en-US" smtClean="0"/>
               <a:pPr/>
-              <a:t>12/27/2019</a:t>
+              <a:t>8/3/2020</a:t>
             </a:fld>
             <a:endParaRPr lang="en-US"/>
           </a:p>
@@ -4167,25 +4168,6 @@
               </a:rPr>
               <a:t>Map Title</a:t>
             </a:r>
-            <a:endParaRPr lang="en-US" sz="1200" b="1" dirty="0" smtClean="0">
-              <a:ln w="19050" cap="rnd" cmpd="sng">
-                <a:noFill/>
-                <a:prstDash val="solid"/>
-                <a:round/>
-              </a:ln>
-              <a:solidFill>
-                <a:srgbClr val="5987C6"/>
-              </a:solidFill>
-              <a:effectLst>
-                <a:glow rad="63500">
-                  <a:schemeClr val="bg1">
-                    <a:alpha val="40000"/>
-                  </a:schemeClr>
-                </a:glow>
-              </a:effectLst>
-              <a:latin typeface="Arial" pitchFamily="34" charset="0"/>
-              <a:cs typeface="Arial" pitchFamily="34" charset="0"/>
-            </a:endParaRPr>
           </a:p>
         </p:txBody>
       </p:sp>
@@ -4405,6 +4387,218 @@
     <p:extLst>
       <p:ext uri="{BB962C8B-B14F-4D97-AF65-F5344CB8AC3E}">
         <p14:creationId xmlns:p14="http://schemas.microsoft.com/office/powerpoint/2010/main" val="3727401558"/>
+      </p:ext>
+    </p:extLst>
+  </p:cSld>
+  <p:clrMapOvr>
+    <a:masterClrMapping/>
+  </p:clrMapOvr>
+  <p:timing>
+    <p:tnLst>
+      <p:par>
+        <p:cTn id="1" dur="indefinite" restart="never" nodeType="tmRoot"/>
+      </p:par>
+    </p:tnLst>
+  </p:timing>
+</p:sld>
+</file>
+
+<file path=ppt/slides/slide6.xml><?xml version="1.0" encoding="utf-8"?>
+<p:sld xmlns:a="http://schemas.openxmlformats.org/drawingml/2006/main" xmlns:r="http://schemas.openxmlformats.org/officeDocument/2006/relationships" xmlns:p="http://schemas.openxmlformats.org/presentationml/2006/main">
+  <p:cSld>
+    <p:spTree>
+      <p:nvGrpSpPr>
+        <p:cNvPr id="1" name=""/>
+        <p:cNvGrpSpPr/>
+        <p:nvPr/>
+      </p:nvGrpSpPr>
+      <p:grpSpPr>
+        <a:xfrm>
+          <a:off x="0" y="0"/>
+          <a:ext cx="0" cy="0"/>
+          <a:chOff x="0" y="0"/>
+          <a:chExt cx="0" cy="0"/>
+        </a:xfrm>
+      </p:grpSpPr>
+      <p:sp>
+        <p:nvSpPr>
+          <p:cNvPr id="10" name="TextBox 9"/>
+          <p:cNvSpPr txBox="1"/>
+          <p:nvPr/>
+        </p:nvSpPr>
+        <p:spPr>
+          <a:xfrm>
+            <a:off x="1174321" y="1056144"/>
+            <a:ext cx="727504" cy="215444"/>
+          </a:xfrm>
+          <a:prstGeom prst="rect">
+            <a:avLst/>
+          </a:prstGeom>
+          <a:noFill/>
+        </p:spPr>
+        <p:txBody>
+          <a:bodyPr wrap="square" rtlCol="0">
+            <a:spAutoFit/>
+          </a:bodyPr>
+          <a:lstStyle/>
+          <a:p>
+            <a:r>
+              <a:rPr lang="en-US" sz="800" dirty="0" smtClean="0">
+                <a:solidFill>
+                  <a:schemeClr val="accent6"/>
+                </a:solidFill>
+                <a:latin typeface="Arial Black" panose="020B0A04020102020204" pitchFamily="34" charset="0"/>
+              </a:rPr>
+              <a:t>3D Scene</a:t>
+            </a:r>
+            <a:endParaRPr lang="en-US" sz="800" dirty="0">
+              <a:solidFill>
+                <a:schemeClr val="accent6"/>
+              </a:solidFill>
+              <a:latin typeface="Arial Black" panose="020B0A04020102020204" pitchFamily="34" charset="0"/>
+            </a:endParaRPr>
+          </a:p>
+        </p:txBody>
+      </p:sp>
+      <p:sp>
+        <p:nvSpPr>
+          <p:cNvPr id="11" name="TextBox 10"/>
+          <p:cNvSpPr txBox="1"/>
+          <p:nvPr/>
+        </p:nvSpPr>
+        <p:spPr>
+          <a:xfrm>
+            <a:off x="0" y="0"/>
+            <a:ext cx="727504" cy="215444"/>
+          </a:xfrm>
+          <a:prstGeom prst="rect">
+            <a:avLst/>
+          </a:prstGeom>
+          <a:noFill/>
+        </p:spPr>
+        <p:txBody>
+          <a:bodyPr wrap="square" rtlCol="0">
+            <a:spAutoFit/>
+          </a:bodyPr>
+          <a:lstStyle/>
+          <a:p>
+            <a:r>
+              <a:rPr lang="en-US" sz="800" dirty="0" smtClean="0">
+                <a:solidFill>
+                  <a:schemeClr val="accent6"/>
+                </a:solidFill>
+                <a:latin typeface="Arial Black" panose="020B0A04020102020204" pitchFamily="34" charset="0"/>
+              </a:rPr>
+              <a:t>Title</a:t>
+            </a:r>
+            <a:endParaRPr lang="en-US" sz="800" dirty="0">
+              <a:solidFill>
+                <a:schemeClr val="accent6"/>
+              </a:solidFill>
+              <a:latin typeface="Arial Black" panose="020B0A04020102020204" pitchFamily="34" charset="0"/>
+            </a:endParaRPr>
+          </a:p>
+        </p:txBody>
+      </p:sp>
+      <p:grpSp>
+        <p:nvGrpSpPr>
+          <p:cNvPr id="4" name="Group 3"/>
+          <p:cNvGrpSpPr/>
+          <p:nvPr/>
+        </p:nvGrpSpPr>
+        <p:grpSpPr>
+          <a:xfrm>
+            <a:off x="959279" y="1336"/>
+            <a:ext cx="942546" cy="428216"/>
+            <a:chOff x="1368795" y="0"/>
+            <a:chExt cx="942546" cy="428216"/>
+          </a:xfrm>
+        </p:grpSpPr>
+        <p:sp>
+          <p:nvSpPr>
+            <p:cNvPr id="3" name="Rectangle 2"/>
+            <p:cNvSpPr/>
+            <p:nvPr/>
+          </p:nvSpPr>
+          <p:spPr>
+            <a:xfrm>
+              <a:off x="1368795" y="0"/>
+              <a:ext cx="942546" cy="428216"/>
+            </a:xfrm>
+            <a:prstGeom prst="rect">
+              <a:avLst/>
+            </a:prstGeom>
+            <a:solidFill>
+              <a:schemeClr val="bg1">
+                <a:alpha val="54000"/>
+              </a:schemeClr>
+            </a:solidFill>
+            <a:ln w="6350">
+              <a:solidFill>
+                <a:schemeClr val="tx2"/>
+              </a:solidFill>
+            </a:ln>
+          </p:spPr>
+          <p:style>
+            <a:lnRef idx="2">
+              <a:schemeClr val="accent1">
+                <a:shade val="50000"/>
+              </a:schemeClr>
+            </a:lnRef>
+            <a:fillRef idx="1">
+              <a:schemeClr val="accent1"/>
+            </a:fillRef>
+            <a:effectRef idx="0">
+              <a:schemeClr val="accent1"/>
+            </a:effectRef>
+            <a:fontRef idx="minor">
+              <a:schemeClr val="lt1"/>
+            </a:fontRef>
+          </p:style>
+          <p:txBody>
+            <a:bodyPr rtlCol="0" anchor="ctr"/>
+            <a:lstStyle/>
+            <a:p>
+              <a:pPr algn="ctr"/>
+              <a:endParaRPr lang="en-US"/>
+            </a:p>
+          </p:txBody>
+        </p:sp>
+        <p:pic>
+          <p:nvPicPr>
+            <p:cNvPr id="2" name="Picture 1"/>
+            <p:cNvPicPr>
+              <a:picLocks noChangeAspect="1"/>
+            </p:cNvPicPr>
+            <p:nvPr/>
+          </p:nvPicPr>
+          <p:blipFill>
+            <a:blip r:embed="rId2" cstate="print">
+              <a:extLst>
+                <a:ext uri="{28A0092B-C50C-407E-A947-70E740481C1C}">
+                  <a14:useLocalDpi xmlns:a14="http://schemas.microsoft.com/office/drawing/2010/main" val="0"/>
+                </a:ext>
+              </a:extLst>
+            </a:blip>
+            <a:stretch>
+              <a:fillRect/>
+            </a:stretch>
+          </p:blipFill>
+          <p:spPr>
+            <a:xfrm>
+              <a:off x="1412738" y="51799"/>
+              <a:ext cx="854659" cy="324618"/>
+            </a:xfrm>
+            <a:prstGeom prst="rect">
+              <a:avLst/>
+            </a:prstGeom>
+          </p:spPr>
+        </p:pic>
+      </p:grpSp>
+    </p:spTree>
+    <p:extLst>
+      <p:ext uri="{BB962C8B-B14F-4D97-AF65-F5344CB8AC3E}">
+        <p14:creationId xmlns:p14="http://schemas.microsoft.com/office/powerpoint/2010/main" val="3276586446"/>
       </p:ext>
     </p:extLst>
   </p:cSld>
@@ -5093,7 +5287,7 @@
 </file>
 
 <file path=customXml/itemProps1.xml><?xml version="1.0" encoding="utf-8"?>
-<ds:datastoreItem xmlns:ds="http://schemas.openxmlformats.org/officeDocument/2006/customXml" ds:itemID="{FA463F28-8C29-4A61-832B-8BC806AC1603}">
+<ds:datastoreItem xmlns:ds="http://schemas.openxmlformats.org/officeDocument/2006/customXml" ds:itemID="{1EDA83B7-4A4E-4F4C-A8B5-9F4274F6A0B2}">
   <ds:schemaRefs>
     <ds:schemaRef ds:uri="ESRI.ArcGIS.Mapping.OfficeIntegration.PowerPointInfo"/>
   </ds:schemaRefs>
@@ -5101,7 +5295,7 @@
 </file>
 
 <file path=customXml/itemProps10.xml><?xml version="1.0" encoding="utf-8"?>
-<ds:datastoreItem xmlns:ds="http://schemas.openxmlformats.org/officeDocument/2006/customXml" ds:itemID="{ABF7083B-6087-496C-A22D-57A7E9AA0ABE}">
+<ds:datastoreItem xmlns:ds="http://schemas.openxmlformats.org/officeDocument/2006/customXml" ds:itemID="{CB026AFB-2C05-4A03-BB2B-9E418F1463E6}">
   <ds:schemaRefs>
     <ds:schemaRef ds:uri="ESRI.ArcGIS.Mapping.OfficeIntegration.PowerPointInfo"/>
   </ds:schemaRefs>
@@ -5109,7 +5303,7 @@
 </file>
 
 <file path=customXml/itemProps11.xml><?xml version="1.0" encoding="utf-8"?>
-<ds:datastoreItem xmlns:ds="http://schemas.openxmlformats.org/officeDocument/2006/customXml" ds:itemID="{0303740C-0605-4D4B-8A5D-00CC525E8EE2}">
+<ds:datastoreItem xmlns:ds="http://schemas.openxmlformats.org/officeDocument/2006/customXml" ds:itemID="{C6B1F000-D62F-48F8-85AD-39E0E4C1F72D}">
   <ds:schemaRefs>
     <ds:schemaRef ds:uri="ESRI.ArcGIS.Mapping.OfficeIntegration.PowerPointInfo"/>
   </ds:schemaRefs>
@@ -5117,7 +5311,7 @@
 </file>
 
 <file path=customXml/itemProps12.xml><?xml version="1.0" encoding="utf-8"?>
-<ds:datastoreItem xmlns:ds="http://schemas.openxmlformats.org/officeDocument/2006/customXml" ds:itemID="{1EDA83B7-4A4E-4F4C-A8B5-9F4274F6A0B2}">
+<ds:datastoreItem xmlns:ds="http://schemas.openxmlformats.org/officeDocument/2006/customXml" ds:itemID="{264AC94D-3E19-44B3-8122-15F8815CAC1F}">
   <ds:schemaRefs>
     <ds:schemaRef ds:uri="ESRI.ArcGIS.Mapping.OfficeIntegration.PowerPointInfo"/>
   </ds:schemaRefs>
@@ -5133,7 +5327,7 @@
 </file>
 
 <file path=customXml/itemProps14.xml><?xml version="1.0" encoding="utf-8"?>
-<ds:datastoreItem xmlns:ds="http://schemas.openxmlformats.org/officeDocument/2006/customXml" ds:itemID="{C6B1F000-D62F-48F8-85AD-39E0E4C1F72D}">
+<ds:datastoreItem xmlns:ds="http://schemas.openxmlformats.org/officeDocument/2006/customXml" ds:itemID="{49142D5F-4559-4F0C-B22B-BDF1A3A4261A}">
   <ds:schemaRefs>
     <ds:schemaRef ds:uri="ESRI.ArcGIS.Mapping.OfficeIntegration.PowerPointInfo"/>
   </ds:schemaRefs>
@@ -5141,7 +5335,7 @@
 </file>
 
 <file path=customXml/itemProps15.xml><?xml version="1.0" encoding="utf-8"?>
-<ds:datastoreItem xmlns:ds="http://schemas.openxmlformats.org/officeDocument/2006/customXml" ds:itemID="{357F2212-A3B4-4F6B-9B8E-9A1F1CC900A5}">
+<ds:datastoreItem xmlns:ds="http://schemas.openxmlformats.org/officeDocument/2006/customXml" ds:itemID="{B6DFB776-2CCD-448A-A68C-C656573917F0}">
   <ds:schemaRefs>
     <ds:schemaRef ds:uri="ESRI.ArcGIS.Mapping.OfficeIntegration.PowerPointInfo"/>
   </ds:schemaRefs>
@@ -5157,7 +5351,7 @@
 </file>
 
 <file path=customXml/itemProps3.xml><?xml version="1.0" encoding="utf-8"?>
-<ds:datastoreItem xmlns:ds="http://schemas.openxmlformats.org/officeDocument/2006/customXml" ds:itemID="{49142D5F-4559-4F0C-B22B-BDF1A3A4261A}">
+<ds:datastoreItem xmlns:ds="http://schemas.openxmlformats.org/officeDocument/2006/customXml" ds:itemID="{FA463F28-8C29-4A61-832B-8BC806AC1603}">
   <ds:schemaRefs>
     <ds:schemaRef ds:uri="ESRI.ArcGIS.Mapping.OfficeIntegration.PowerPointInfo"/>
   </ds:schemaRefs>
@@ -5165,7 +5359,7 @@
 </file>
 
 <file path=customXml/itemProps4.xml><?xml version="1.0" encoding="utf-8"?>
-<ds:datastoreItem xmlns:ds="http://schemas.openxmlformats.org/officeDocument/2006/customXml" ds:itemID="{82FFD8AE-711B-4F0C-BED1-538744BEA520}">
+<ds:datastoreItem xmlns:ds="http://schemas.openxmlformats.org/officeDocument/2006/customXml" ds:itemID="{AB0CFB62-BC23-41DB-8F31-4BF907F99D22}">
   <ds:schemaRefs>
     <ds:schemaRef ds:uri="ESRI.ArcGIS.Mapping.OfficeIntegration.PowerPointInfo"/>
   </ds:schemaRefs>
@@ -5173,6 +5367,14 @@
 </file>
 
 <file path=customXml/itemProps5.xml><?xml version="1.0" encoding="utf-8"?>
+<ds:datastoreItem xmlns:ds="http://schemas.openxmlformats.org/officeDocument/2006/customXml" ds:itemID="{0303740C-0605-4D4B-8A5D-00CC525E8EE2}">
+  <ds:schemaRefs>
+    <ds:schemaRef ds:uri="ESRI.ArcGIS.Mapping.OfficeIntegration.PowerPointInfo"/>
+  </ds:schemaRefs>
+</ds:datastoreItem>
+</file>
+
+<file path=customXml/itemProps6.xml><?xml version="1.0" encoding="utf-8"?>
 <ds:datastoreItem xmlns:ds="http://schemas.openxmlformats.org/officeDocument/2006/customXml" ds:itemID="{C7154290-90A4-4BF0-869D-015870070ABE}">
   <ds:schemaRefs>
     <ds:schemaRef ds:uri="ESRI.ArcGIS.Mapping.OfficeIntegration.PowerPointInfo"/>
@@ -5180,16 +5382,8 @@
 </ds:datastoreItem>
 </file>
 
-<file path=customXml/itemProps6.xml><?xml version="1.0" encoding="utf-8"?>
-<ds:datastoreItem xmlns:ds="http://schemas.openxmlformats.org/officeDocument/2006/customXml" ds:itemID="{AB0CFB62-BC23-41DB-8F31-4BF907F99D22}">
-  <ds:schemaRefs>
-    <ds:schemaRef ds:uri="ESRI.ArcGIS.Mapping.OfficeIntegration.PowerPointInfo"/>
-  </ds:schemaRefs>
-</ds:datastoreItem>
-</file>
-
 <file path=customXml/itemProps7.xml><?xml version="1.0" encoding="utf-8"?>
-<ds:datastoreItem xmlns:ds="http://schemas.openxmlformats.org/officeDocument/2006/customXml" ds:itemID="{B6DFB776-2CCD-448A-A68C-C656573917F0}">
+<ds:datastoreItem xmlns:ds="http://schemas.openxmlformats.org/officeDocument/2006/customXml" ds:itemID="{357F2212-A3B4-4F6B-9B8E-9A1F1CC900A5}">
   <ds:schemaRefs>
     <ds:schemaRef ds:uri="ESRI.ArcGIS.Mapping.OfficeIntegration.PowerPointInfo"/>
   </ds:schemaRefs>
@@ -5197,7 +5391,7 @@
 </file>
 
 <file path=customXml/itemProps8.xml><?xml version="1.0" encoding="utf-8"?>
-<ds:datastoreItem xmlns:ds="http://schemas.openxmlformats.org/officeDocument/2006/customXml" ds:itemID="{264AC94D-3E19-44B3-8122-15F8815CAC1F}">
+<ds:datastoreItem xmlns:ds="http://schemas.openxmlformats.org/officeDocument/2006/customXml" ds:itemID="{ABF7083B-6087-496C-A22D-57A7E9AA0ABE}">
   <ds:schemaRefs>
     <ds:schemaRef ds:uri="ESRI.ArcGIS.Mapping.OfficeIntegration.PowerPointInfo"/>
   </ds:schemaRefs>
@@ -5205,7 +5399,7 @@
 </file>
 
 <file path=customXml/itemProps9.xml><?xml version="1.0" encoding="utf-8"?>
-<ds:datastoreItem xmlns:ds="http://schemas.openxmlformats.org/officeDocument/2006/customXml" ds:itemID="{CB026AFB-2C05-4A03-BB2B-9E418F1463E6}">
+<ds:datastoreItem xmlns:ds="http://schemas.openxmlformats.org/officeDocument/2006/customXml" ds:itemID="{82FFD8AE-711B-4F0C-BED1-538744BEA520}">
   <ds:schemaRefs>
     <ds:schemaRef ds:uri="ESRI.ArcGIS.Mapping.OfficeIntegration.PowerPointInfo"/>
   </ds:schemaRefs>
